--- a/document.pptx
+++ b/document.pptx
@@ -48,7 +48,7 @@
         <p:txBody>
           <a:bodyPr/>
           <a:p>
-            <a:fld id="{77730984-AD31-41BF-B8EC-C9E2AB8813CA}" type="slidenum">
+            <a:fld id="{6A286251-3E91-497F-9049-4EE65841C9DA}" type="slidenum">
               <a:t>&lt;#&gt;</a:t>
             </a:fld>
           </a:p>
@@ -195,7 +195,7 @@
         <p:txBody>
           <a:bodyPr/>
           <a:p>
-            <a:fld id="{76F21DD8-AEB7-4EA6-B5C7-71F176C5C149}" type="slidenum">
+            <a:fld id="{E5B41D88-A3F3-4BD0-AC37-8479BAFDDD90}" type="slidenum">
               <a:t>&lt;#&gt;</a:t>
             </a:fld>
           </a:p>
@@ -410,7 +410,7 @@
         <p:txBody>
           <a:bodyPr/>
           <a:p>
-            <a:fld id="{C7C54257-EA67-43E6-B564-1B087B2EA203}" type="slidenum">
+            <a:fld id="{242F4FCF-005A-4C30-86D5-21C92910F6F7}" type="slidenum">
               <a:t>&lt;#&gt;</a:t>
             </a:fld>
           </a:p>
@@ -693,7 +693,7 @@
         <p:txBody>
           <a:bodyPr/>
           <a:p>
-            <a:fld id="{B1702FF6-B69B-42F9-B1D9-7BC2CA8619C8}" type="slidenum">
+            <a:fld id="{C9FCF509-C064-4470-A0A5-0C27452FB8AA}" type="slidenum">
               <a:t>&lt;#&gt;</a:t>
             </a:fld>
           </a:p>
@@ -735,7 +735,7 @@
         <p:txBody>
           <a:bodyPr/>
           <a:p>
-            <a:fld id="{99BC945C-DC41-4D5B-BDFB-A02ABDFDAE19}" type="slidenum">
+            <a:fld id="{7CDA443D-1E31-43FA-A80F-A6E7510883A4}" type="slidenum">
               <a:t>&lt;#&gt;</a:t>
             </a:fld>
           </a:p>
@@ -851,7 +851,7 @@
         <p:txBody>
           <a:bodyPr/>
           <a:p>
-            <a:fld id="{BD792C95-29AE-4AF5-959D-59474F3075CC}" type="slidenum">
+            <a:fld id="{FC81F09F-33F4-4110-9D35-8F0F100E0658}" type="slidenum">
               <a:t>&lt;#&gt;</a:t>
             </a:fld>
           </a:p>
@@ -964,7 +964,7 @@
         <p:txBody>
           <a:bodyPr/>
           <a:p>
-            <a:fld id="{7F155D88-A3DF-49AE-9568-3C7162F110AB}" type="slidenum">
+            <a:fld id="{C5329FAC-DE23-4510-AD30-4D743DCDBB22}" type="slidenum">
               <a:t>&lt;#&gt;</a:t>
             </a:fld>
           </a:p>
@@ -1111,7 +1111,7 @@
         <p:txBody>
           <a:bodyPr/>
           <a:p>
-            <a:fld id="{4F7C557D-3B11-48EE-B91A-639F1DE3FFA0}" type="slidenum">
+            <a:fld id="{4223E6BE-3C84-4E03-B51F-60CE1582B1F9}" type="slidenum">
               <a:t>&lt;#&gt;</a:t>
             </a:fld>
           </a:p>
@@ -1190,7 +1190,7 @@
         <p:txBody>
           <a:bodyPr/>
           <a:p>
-            <a:fld id="{46E8BC28-539D-4CCD-99D9-A9C157B73AA1}" type="slidenum">
+            <a:fld id="{3248D145-1675-488D-B1BD-D51BAC99974B}" type="slidenum">
               <a:t>&lt;#&gt;</a:t>
             </a:fld>
           </a:p>
@@ -1269,7 +1269,7 @@
         <p:txBody>
           <a:bodyPr/>
           <a:p>
-            <a:fld id="{8008C152-7167-4989-9053-A139E3BA0030}" type="slidenum">
+            <a:fld id="{54BA2F6C-F693-4D3F-9EDB-77534C34A841}" type="slidenum">
               <a:t>&lt;#&gt;</a:t>
             </a:fld>
           </a:p>
@@ -1450,7 +1450,7 @@
         <p:txBody>
           <a:bodyPr/>
           <a:p>
-            <a:fld id="{70207326-EA84-471D-BB7C-9443AF04B8BE}" type="slidenum">
+            <a:fld id="{BC09EADC-7BF9-4C29-BA20-6CFD25C028BF}" type="slidenum">
               <a:t>&lt;#&gt;</a:t>
             </a:fld>
           </a:p>
@@ -1566,7 +1566,7 @@
         <p:txBody>
           <a:bodyPr/>
           <a:p>
-            <a:fld id="{B1C4BF5B-62CD-402F-8051-0D0CD7A56B50}" type="slidenum">
+            <a:fld id="{600AAACE-9B18-47D9-8897-587CAEA61213}" type="slidenum">
               <a:t>&lt;#&gt;</a:t>
             </a:fld>
           </a:p>
@@ -1747,7 +1747,7 @@
         <p:txBody>
           <a:bodyPr/>
           <a:p>
-            <a:fld id="{31E54D0D-3B5F-4312-BF53-9F8AE1C1A699}" type="slidenum">
+            <a:fld id="{53096CC4-E485-43C9-BD3D-1EF33C5C7CD0}" type="slidenum">
               <a:t>&lt;#&gt;</a:t>
             </a:fld>
           </a:p>
@@ -1928,7 +1928,7 @@
         <p:txBody>
           <a:bodyPr/>
           <a:p>
-            <a:fld id="{3DC4941B-22CB-4E11-A0E4-775B2C732BCD}" type="slidenum">
+            <a:fld id="{3C343EA2-6344-48AF-BC03-861C95FDCF49}" type="slidenum">
               <a:t>&lt;#&gt;</a:t>
             </a:fld>
           </a:p>
@@ -2075,7 +2075,7 @@
         <p:txBody>
           <a:bodyPr/>
           <a:p>
-            <a:fld id="{8C81E249-BB83-419D-86C9-2528B9E4C588}" type="slidenum">
+            <a:fld id="{6E5FAEC9-CBC0-4F68-9179-18640BAB7418}" type="slidenum">
               <a:t>&lt;#&gt;</a:t>
             </a:fld>
           </a:p>
@@ -2290,7 +2290,7 @@
         <p:txBody>
           <a:bodyPr/>
           <a:p>
-            <a:fld id="{3C9820BB-38F3-4FF0-8979-0DD962A38F17}" type="slidenum">
+            <a:fld id="{F6AE7AC0-375A-46EC-B8D3-CAA7C070C259}" type="slidenum">
               <a:t>&lt;#&gt;</a:t>
             </a:fld>
           </a:p>
@@ -2573,7 +2573,7 @@
         <p:txBody>
           <a:bodyPr/>
           <a:p>
-            <a:fld id="{2277753E-B346-4CF8-AE0F-511007532B2C}" type="slidenum">
+            <a:fld id="{667E142B-89C8-4275-A7BC-1A1150B25585}" type="slidenum">
               <a:t>&lt;#&gt;</a:t>
             </a:fld>
           </a:p>
@@ -2686,7 +2686,7 @@
         <p:txBody>
           <a:bodyPr/>
           <a:p>
-            <a:fld id="{B7095F23-BCDF-46CF-9900-11BEAA52CF42}" type="slidenum">
+            <a:fld id="{B37A9C91-81A6-49B4-B793-058631862388}" type="slidenum">
               <a:t>&lt;#&gt;</a:t>
             </a:fld>
           </a:p>
@@ -2833,7 +2833,7 @@
         <p:txBody>
           <a:bodyPr/>
           <a:p>
-            <a:fld id="{7E3D0383-FCAF-4599-B4EB-775954653E7C}" type="slidenum">
+            <a:fld id="{B0075CF1-41A7-4F1C-AAEF-DA18185CC806}" type="slidenum">
               <a:t>&lt;#&gt;</a:t>
             </a:fld>
           </a:p>
@@ -2912,7 +2912,7 @@
         <p:txBody>
           <a:bodyPr/>
           <a:p>
-            <a:fld id="{85C98872-9783-4350-8AD8-A6AB36A7BF6E}" type="slidenum">
+            <a:fld id="{082B6271-F9E8-4E7E-9241-0A6AAC6A57E1}" type="slidenum">
               <a:t>&lt;#&gt;</a:t>
             </a:fld>
           </a:p>
@@ -2991,7 +2991,7 @@
         <p:txBody>
           <a:bodyPr/>
           <a:p>
-            <a:fld id="{DEB018CE-EA4C-4356-B7CA-9D2EF6CEB0F2}" type="slidenum">
+            <a:fld id="{42568762-E4C5-4615-8250-A4EDD48EF51D}" type="slidenum">
               <a:t>&lt;#&gt;</a:t>
             </a:fld>
           </a:p>
@@ -3172,7 +3172,7 @@
         <p:txBody>
           <a:bodyPr/>
           <a:p>
-            <a:fld id="{4C4C979E-A802-4D1F-9F7E-C10606538F1E}" type="slidenum">
+            <a:fld id="{AA3588F2-AAF6-4E58-A344-6557442A14B8}" type="slidenum">
               <a:t>&lt;#&gt;</a:t>
             </a:fld>
           </a:p>
@@ -3353,7 +3353,7 @@
         <p:txBody>
           <a:bodyPr/>
           <a:p>
-            <a:fld id="{D08C0CD0-FB3C-4C58-8628-162E0240EBCB}" type="slidenum">
+            <a:fld id="{368396EC-E348-43FE-9023-B1A71894FFD2}" type="slidenum">
               <a:t>&lt;#&gt;</a:t>
             </a:fld>
           </a:p>
@@ -3534,7 +3534,7 @@
         <p:txBody>
           <a:bodyPr/>
           <a:p>
-            <a:fld id="{02D48B2D-B99C-4801-B2F7-7F1C54B7BE67}" type="slidenum">
+            <a:fld id="{FD09E234-0291-4A69-82B2-16A1C2ECA656}" type="slidenum">
               <a:t>&lt;#&gt;</a:t>
             </a:fld>
           </a:p>
@@ -4129,7 +4129,7 @@
                 <a:tab algn="l" pos="0"/>
               </a:tabLst>
             </a:pPr>
-            <a:fld id="{D930CF6C-2E29-42C4-B984-2065604CC1C4}" type="slidenum">
+            <a:fld id="{701F12EF-8597-40A6-8AC7-862522BB1ED9}" type="slidenum">
               <a:rPr b="0" lang="en" sz="1000" spc="-1" strike="noStrike">
                 <a:solidFill>
                   <a:srgbClr val="695d46"/>
@@ -4272,7 +4272,7 @@
                 <a:tab algn="l" pos="0"/>
               </a:tabLst>
             </a:pPr>
-            <a:fld id="{674CE6C3-239E-4E88-9A62-AF7AE22DC4B3}" type="slidenum">
+            <a:fld id="{97E41DA1-2BE4-4599-9061-11D5BB1F0A76}" type="slidenum">
               <a:rPr b="0" lang="en" sz="1000" spc="-1" strike="noStrike">
                 <a:solidFill>
                   <a:srgbClr val="695d46"/>
@@ -5977,8 +5977,8 @@
         </p:blipFill>
         <p:spPr>
           <a:xfrm>
-            <a:off x="-228240" y="1152000"/>
-            <a:ext cx="9143640" cy="3648600"/>
+            <a:off x="-456840" y="685800"/>
+            <a:ext cx="9143640" cy="3287520"/>
           </a:xfrm>
           <a:prstGeom prst="rect">
             <a:avLst/>

--- a/document.pptx
+++ b/document.pptx
@@ -48,7 +48,7 @@
         <p:txBody>
           <a:bodyPr/>
           <a:p>
-            <a:fld id="{6A286251-3E91-497F-9049-4EE65841C9DA}" type="slidenum">
+            <a:fld id="{FA7207B8-76AF-4EB7-9635-D40FC11C8716}" type="slidenum">
               <a:t>&lt;#&gt;</a:t>
             </a:fld>
           </a:p>
@@ -195,7 +195,7 @@
         <p:txBody>
           <a:bodyPr/>
           <a:p>
-            <a:fld id="{E5B41D88-A3F3-4BD0-AC37-8479BAFDDD90}" type="slidenum">
+            <a:fld id="{0A0CEFE7-76A8-44D9-90CA-8111722BB9E5}" type="slidenum">
               <a:t>&lt;#&gt;</a:t>
             </a:fld>
           </a:p>
@@ -410,7 +410,7 @@
         <p:txBody>
           <a:bodyPr/>
           <a:p>
-            <a:fld id="{242F4FCF-005A-4C30-86D5-21C92910F6F7}" type="slidenum">
+            <a:fld id="{B09701FB-F8D6-4A0C-ADA4-9EE2CCCDACFE}" type="slidenum">
               <a:t>&lt;#&gt;</a:t>
             </a:fld>
           </a:p>
@@ -693,7 +693,7 @@
         <p:txBody>
           <a:bodyPr/>
           <a:p>
-            <a:fld id="{C9FCF509-C064-4470-A0A5-0C27452FB8AA}" type="slidenum">
+            <a:fld id="{2508D617-EB90-46D0-B4FB-BB668953C9CA}" type="slidenum">
               <a:t>&lt;#&gt;</a:t>
             </a:fld>
           </a:p>
@@ -735,7 +735,7 @@
         <p:txBody>
           <a:bodyPr/>
           <a:p>
-            <a:fld id="{7CDA443D-1E31-43FA-A80F-A6E7510883A4}" type="slidenum">
+            <a:fld id="{5C8F7E79-D59B-4AB4-A77A-8D823308FF95}" type="slidenum">
               <a:t>&lt;#&gt;</a:t>
             </a:fld>
           </a:p>
@@ -851,7 +851,7 @@
         <p:txBody>
           <a:bodyPr/>
           <a:p>
-            <a:fld id="{FC81F09F-33F4-4110-9D35-8F0F100E0658}" type="slidenum">
+            <a:fld id="{9FE62A33-79F3-425F-9483-E231C6F4E9B4}" type="slidenum">
               <a:t>&lt;#&gt;</a:t>
             </a:fld>
           </a:p>
@@ -964,7 +964,7 @@
         <p:txBody>
           <a:bodyPr/>
           <a:p>
-            <a:fld id="{C5329FAC-DE23-4510-AD30-4D743DCDBB22}" type="slidenum">
+            <a:fld id="{F687A083-985C-4325-8581-6E9347B39552}" type="slidenum">
               <a:t>&lt;#&gt;</a:t>
             </a:fld>
           </a:p>
@@ -1111,7 +1111,7 @@
         <p:txBody>
           <a:bodyPr/>
           <a:p>
-            <a:fld id="{4223E6BE-3C84-4E03-B51F-60CE1582B1F9}" type="slidenum">
+            <a:fld id="{E6937798-27A1-446E-BD47-E27B4337FAD3}" type="slidenum">
               <a:t>&lt;#&gt;</a:t>
             </a:fld>
           </a:p>
@@ -1190,7 +1190,7 @@
         <p:txBody>
           <a:bodyPr/>
           <a:p>
-            <a:fld id="{3248D145-1675-488D-B1BD-D51BAC99974B}" type="slidenum">
+            <a:fld id="{AC805EE3-CF10-40B9-98E2-A0884CF0B295}" type="slidenum">
               <a:t>&lt;#&gt;</a:t>
             </a:fld>
           </a:p>
@@ -1269,7 +1269,7 @@
         <p:txBody>
           <a:bodyPr/>
           <a:p>
-            <a:fld id="{54BA2F6C-F693-4D3F-9EDB-77534C34A841}" type="slidenum">
+            <a:fld id="{32CB55BC-AA16-488D-8333-F800BC14AD8D}" type="slidenum">
               <a:t>&lt;#&gt;</a:t>
             </a:fld>
           </a:p>
@@ -1450,7 +1450,7 @@
         <p:txBody>
           <a:bodyPr/>
           <a:p>
-            <a:fld id="{BC09EADC-7BF9-4C29-BA20-6CFD25C028BF}" type="slidenum">
+            <a:fld id="{95D1B71E-74F7-4498-968B-F70190A70842}" type="slidenum">
               <a:t>&lt;#&gt;</a:t>
             </a:fld>
           </a:p>
@@ -1566,7 +1566,7 @@
         <p:txBody>
           <a:bodyPr/>
           <a:p>
-            <a:fld id="{600AAACE-9B18-47D9-8897-587CAEA61213}" type="slidenum">
+            <a:fld id="{95F1E9A5-F9F8-495F-A5D3-64477895FD39}" type="slidenum">
               <a:t>&lt;#&gt;</a:t>
             </a:fld>
           </a:p>
@@ -1747,7 +1747,7 @@
         <p:txBody>
           <a:bodyPr/>
           <a:p>
-            <a:fld id="{53096CC4-E485-43C9-BD3D-1EF33C5C7CD0}" type="slidenum">
+            <a:fld id="{711EE6E1-FCC2-4D1C-A0D1-AED1F674A621}" type="slidenum">
               <a:t>&lt;#&gt;</a:t>
             </a:fld>
           </a:p>
@@ -1928,7 +1928,7 @@
         <p:txBody>
           <a:bodyPr/>
           <a:p>
-            <a:fld id="{3C343EA2-6344-48AF-BC03-861C95FDCF49}" type="slidenum">
+            <a:fld id="{66BF7B7F-B444-4AAB-A368-9C4CD78E747C}" type="slidenum">
               <a:t>&lt;#&gt;</a:t>
             </a:fld>
           </a:p>
@@ -2075,7 +2075,7 @@
         <p:txBody>
           <a:bodyPr/>
           <a:p>
-            <a:fld id="{6E5FAEC9-CBC0-4F68-9179-18640BAB7418}" type="slidenum">
+            <a:fld id="{F010C99E-285A-4796-A4D7-43184958EE52}" type="slidenum">
               <a:t>&lt;#&gt;</a:t>
             </a:fld>
           </a:p>
@@ -2290,7 +2290,7 @@
         <p:txBody>
           <a:bodyPr/>
           <a:p>
-            <a:fld id="{F6AE7AC0-375A-46EC-B8D3-CAA7C070C259}" type="slidenum">
+            <a:fld id="{E1A8D82E-D250-46E7-A44B-C9ABE84C79CB}" type="slidenum">
               <a:t>&lt;#&gt;</a:t>
             </a:fld>
           </a:p>
@@ -2573,7 +2573,7 @@
         <p:txBody>
           <a:bodyPr/>
           <a:p>
-            <a:fld id="{667E142B-89C8-4275-A7BC-1A1150B25585}" type="slidenum">
+            <a:fld id="{F3BD3DC1-DE3C-4ABC-AFDC-8D79A2453403}" type="slidenum">
               <a:t>&lt;#&gt;</a:t>
             </a:fld>
           </a:p>
@@ -2686,7 +2686,7 @@
         <p:txBody>
           <a:bodyPr/>
           <a:p>
-            <a:fld id="{B37A9C91-81A6-49B4-B793-058631862388}" type="slidenum">
+            <a:fld id="{5AB15FDB-7151-471E-9E06-80C2543EB34E}" type="slidenum">
               <a:t>&lt;#&gt;</a:t>
             </a:fld>
           </a:p>
@@ -2833,7 +2833,7 @@
         <p:txBody>
           <a:bodyPr/>
           <a:p>
-            <a:fld id="{B0075CF1-41A7-4F1C-AAEF-DA18185CC806}" type="slidenum">
+            <a:fld id="{B1CC459B-6406-420D-89AB-058397103A3A}" type="slidenum">
               <a:t>&lt;#&gt;</a:t>
             </a:fld>
           </a:p>
@@ -2912,7 +2912,7 @@
         <p:txBody>
           <a:bodyPr/>
           <a:p>
-            <a:fld id="{082B6271-F9E8-4E7E-9241-0A6AAC6A57E1}" type="slidenum">
+            <a:fld id="{EBEAF076-C689-49E4-A156-DF995E6D4E99}" type="slidenum">
               <a:t>&lt;#&gt;</a:t>
             </a:fld>
           </a:p>
@@ -2991,7 +2991,7 @@
         <p:txBody>
           <a:bodyPr/>
           <a:p>
-            <a:fld id="{42568762-E4C5-4615-8250-A4EDD48EF51D}" type="slidenum">
+            <a:fld id="{7072054E-5F0C-4F58-B048-14A4B88B8B80}" type="slidenum">
               <a:t>&lt;#&gt;</a:t>
             </a:fld>
           </a:p>
@@ -3172,7 +3172,7 @@
         <p:txBody>
           <a:bodyPr/>
           <a:p>
-            <a:fld id="{AA3588F2-AAF6-4E58-A344-6557442A14B8}" type="slidenum">
+            <a:fld id="{64916F5D-1A8F-4C30-A8B3-C07C22127585}" type="slidenum">
               <a:t>&lt;#&gt;</a:t>
             </a:fld>
           </a:p>
@@ -3353,7 +3353,7 @@
         <p:txBody>
           <a:bodyPr/>
           <a:p>
-            <a:fld id="{368396EC-E348-43FE-9023-B1A71894FFD2}" type="slidenum">
+            <a:fld id="{B877ACE6-B7EA-4AFE-BDFB-E7CBDBFD7181}" type="slidenum">
               <a:t>&lt;#&gt;</a:t>
             </a:fld>
           </a:p>
@@ -3534,7 +3534,7 @@
         <p:txBody>
           <a:bodyPr/>
           <a:p>
-            <a:fld id="{FD09E234-0291-4A69-82B2-16A1C2ECA656}" type="slidenum">
+            <a:fld id="{E771F2E1-BDDD-4060-BB24-C971FF2BB660}" type="slidenum">
               <a:t>&lt;#&gt;</a:t>
             </a:fld>
           </a:p>
@@ -3578,7 +3578,7 @@
         <p:spPr>
           <a:xfrm>
             <a:off x="7007760" y="3177000"/>
-            <a:ext cx="561240" cy="360"/>
+            <a:ext cx="560880" cy="360"/>
           </a:xfrm>
           <a:custGeom>
             <a:avLst/>
@@ -3620,7 +3620,7 @@
         <p:spPr>
           <a:xfrm>
             <a:off x="1575000" y="3158280"/>
-            <a:ext cx="561240" cy="360"/>
+            <a:ext cx="560880" cy="360"/>
           </a:xfrm>
           <a:custGeom>
             <a:avLst/>
@@ -3661,10 +3661,10 @@
         </p:nvGrpSpPr>
         <p:grpSpPr>
           <a:xfrm>
-            <a:off x="1005120" y="1020960"/>
-            <a:ext cx="7135560" cy="152640"/>
-            <a:chOff x="1005120" y="1020960"/>
-            <a:chExt cx="7135560" cy="152640"/>
+            <a:off x="1005480" y="1020600"/>
+            <a:ext cx="7135200" cy="152640"/>
+            <a:chOff x="1005480" y="1020600"/>
+            <a:chExt cx="7135200" cy="152640"/>
           </a:xfrm>
         </p:grpSpPr>
         <p:sp>
@@ -3675,8 +3675,8 @@
           </p:nvSpPr>
           <p:spPr>
             <a:xfrm rot="10800000">
-              <a:off x="1005120" y="1020600"/>
-              <a:ext cx="7135560" cy="360"/>
+              <a:off x="1005480" y="1020240"/>
+              <a:ext cx="7135200" cy="360"/>
             </a:xfrm>
             <a:custGeom>
               <a:avLst/>
@@ -3717,8 +3717,8 @@
           </p:nvSpPr>
           <p:spPr>
             <a:xfrm rot="10800000">
-              <a:off x="1005120" y="1172880"/>
-              <a:ext cx="7135560" cy="360"/>
+              <a:off x="1005480" y="1172520"/>
+              <a:ext cx="7135200" cy="360"/>
             </a:xfrm>
             <a:custGeom>
               <a:avLst/>
@@ -3761,9 +3761,9 @@
         <p:grpSpPr>
           <a:xfrm>
             <a:off x="1004040" y="3969000"/>
-            <a:ext cx="7135560" cy="153000"/>
+            <a:ext cx="7135200" cy="153000"/>
             <a:chOff x="1004040" y="3969000"/>
-            <a:chExt cx="7135560" cy="153000"/>
+            <a:chExt cx="7135200" cy="153000"/>
           </a:xfrm>
         </p:grpSpPr>
         <p:sp>
@@ -3775,7 +3775,7 @@
           <p:spPr>
             <a:xfrm>
               <a:off x="1004040" y="4121640"/>
-              <a:ext cx="7135560" cy="360"/>
+              <a:ext cx="7135200" cy="360"/>
             </a:xfrm>
             <a:custGeom>
               <a:avLst/>
@@ -3817,7 +3817,7 @@
           <p:spPr>
             <a:xfrm>
               <a:off x="1004040" y="3969000"/>
-              <a:ext cx="7135560" cy="360"/>
+              <a:ext cx="7135200" cy="360"/>
             </a:xfrm>
             <a:custGeom>
               <a:avLst/>
@@ -3858,236 +3858,13 @@
             <a:spLocks noGrp="1"/>
           </p:cNvSpPr>
           <p:nvPr>
-            <p:ph type="title"/>
-          </p:nvPr>
-        </p:nvSpPr>
-        <p:spPr>
-          <a:xfrm>
-            <a:off x="311760" y="444960"/>
-            <a:ext cx="8519400" cy="706320"/>
-          </a:xfrm>
-          <a:prstGeom prst="rect">
-            <a:avLst/>
-          </a:prstGeom>
-          <a:noFill/>
-          <a:ln w="0">
-            <a:noFill/>
-          </a:ln>
-        </p:spPr>
-        <p:txBody>
-          <a:bodyPr lIns="0" rIns="0" tIns="0" bIns="0" anchor="ctr">
-            <a:noAutofit/>
-          </a:bodyPr>
-          <a:p>
-            <a:r>
-              <a:rPr b="0" lang="en-US" sz="1800" spc="-1" strike="noStrike">
-                <a:latin typeface="Arial"/>
-              </a:rPr>
-              <a:t>Click to edit the title text format</a:t>
-            </a:r>
-            <a:endParaRPr b="0" lang="en-US" sz="1800" spc="-1" strike="noStrike">
-              <a:latin typeface="Arial"/>
-            </a:endParaRPr>
-          </a:p>
-        </p:txBody>
-      </p:sp>
-      <p:sp>
-        <p:nvSpPr>
-          <p:cNvPr id="9" name="PlaceHolder 2"/>
-          <p:cNvSpPr>
-            <a:spLocks noGrp="1"/>
-          </p:cNvSpPr>
-          <p:nvPr>
-            <p:ph type="body"/>
-          </p:nvPr>
-        </p:nvSpPr>
-        <p:spPr>
-          <a:xfrm>
-            <a:off x="311760" y="1266480"/>
-            <a:ext cx="8519400" cy="3301560"/>
-          </a:xfrm>
-          <a:prstGeom prst="rect">
-            <a:avLst/>
-          </a:prstGeom>
-          <a:noFill/>
-          <a:ln w="0">
-            <a:noFill/>
-          </a:ln>
-        </p:spPr>
-        <p:txBody>
-          <a:bodyPr lIns="0" rIns="0" tIns="0" bIns="0" anchor="t">
-            <a:normAutofit/>
-          </a:bodyPr>
-          <a:p>
-            <a:pPr marL="432000" indent="-324000">
-              <a:spcBef>
-                <a:spcPts val="1417"/>
-              </a:spcBef>
-              <a:buClr>
-                <a:srgbClr val="000000"/>
-              </a:buClr>
-              <a:buSzPct val="45000"/>
-              <a:buFont typeface="Wingdings" charset="2"/>
-              <a:buChar char=""/>
-            </a:pPr>
-            <a:r>
-              <a:rPr b="0" lang="en-US" sz="1800" spc="-1" strike="noStrike">
-                <a:latin typeface="Arial"/>
-              </a:rPr>
-              <a:t>Click to edit the outline text format</a:t>
-            </a:r>
-            <a:endParaRPr b="0" lang="en-US" sz="1800" spc="-1" strike="noStrike">
-              <a:latin typeface="Arial"/>
-            </a:endParaRPr>
-          </a:p>
-          <a:p>
-            <a:pPr lvl="1" marL="864000" indent="-324000">
-              <a:spcBef>
-                <a:spcPts val="1134"/>
-              </a:spcBef>
-              <a:buClr>
-                <a:srgbClr val="000000"/>
-              </a:buClr>
-              <a:buSzPct val="75000"/>
-              <a:buFont typeface="Symbol" charset="2"/>
-              <a:buChar char=""/>
-            </a:pPr>
-            <a:r>
-              <a:rPr b="0" lang="en-US" sz="1800" spc="-1" strike="noStrike">
-                <a:latin typeface="Arial"/>
-              </a:rPr>
-              <a:t>Second Outline Level</a:t>
-            </a:r>
-            <a:endParaRPr b="0" lang="en-US" sz="1800" spc="-1" strike="noStrike">
-              <a:latin typeface="Arial"/>
-            </a:endParaRPr>
-          </a:p>
-          <a:p>
-            <a:pPr lvl="2" marL="1296000" indent="-288000">
-              <a:spcBef>
-                <a:spcPts val="850"/>
-              </a:spcBef>
-              <a:buClr>
-                <a:srgbClr val="000000"/>
-              </a:buClr>
-              <a:buSzPct val="45000"/>
-              <a:buFont typeface="Wingdings" charset="2"/>
-              <a:buChar char=""/>
-            </a:pPr>
-            <a:r>
-              <a:rPr b="0" lang="en-US" sz="1800" spc="-1" strike="noStrike">
-                <a:latin typeface="Arial"/>
-              </a:rPr>
-              <a:t>Third Outline Level</a:t>
-            </a:r>
-            <a:endParaRPr b="0" lang="en-US" sz="1800" spc="-1" strike="noStrike">
-              <a:latin typeface="Arial"/>
-            </a:endParaRPr>
-          </a:p>
-          <a:p>
-            <a:pPr lvl="3" marL="1728000" indent="-216000">
-              <a:spcBef>
-                <a:spcPts val="567"/>
-              </a:spcBef>
-              <a:buClr>
-                <a:srgbClr val="000000"/>
-              </a:buClr>
-              <a:buSzPct val="75000"/>
-              <a:buFont typeface="Symbol" charset="2"/>
-              <a:buChar char=""/>
-            </a:pPr>
-            <a:r>
-              <a:rPr b="0" lang="en-US" sz="1800" spc="-1" strike="noStrike">
-                <a:latin typeface="Arial"/>
-              </a:rPr>
-              <a:t>Fourth Outline Level</a:t>
-            </a:r>
-            <a:endParaRPr b="0" lang="en-US" sz="1800" spc="-1" strike="noStrike">
-              <a:latin typeface="Arial"/>
-            </a:endParaRPr>
-          </a:p>
-          <a:p>
-            <a:pPr lvl="4" marL="2160000" indent="-216000">
-              <a:spcBef>
-                <a:spcPts val="283"/>
-              </a:spcBef>
-              <a:buClr>
-                <a:srgbClr val="000000"/>
-              </a:buClr>
-              <a:buSzPct val="45000"/>
-              <a:buFont typeface="Wingdings" charset="2"/>
-              <a:buChar char=""/>
-            </a:pPr>
-            <a:r>
-              <a:rPr b="0" lang="en-US" sz="1800" spc="-1" strike="noStrike">
-                <a:latin typeface="Arial"/>
-              </a:rPr>
-              <a:t>Fifth Outline Level</a:t>
-            </a:r>
-            <a:endParaRPr b="0" lang="en-US" sz="1800" spc="-1" strike="noStrike">
-              <a:latin typeface="Arial"/>
-            </a:endParaRPr>
-          </a:p>
-          <a:p>
-            <a:pPr lvl="5" marL="2592000" indent="-216000">
-              <a:spcBef>
-                <a:spcPts val="283"/>
-              </a:spcBef>
-              <a:buClr>
-                <a:srgbClr val="000000"/>
-              </a:buClr>
-              <a:buSzPct val="45000"/>
-              <a:buFont typeface="Wingdings" charset="2"/>
-              <a:buChar char=""/>
-            </a:pPr>
-            <a:r>
-              <a:rPr b="0" lang="en-US" sz="1800" spc="-1" strike="noStrike">
-                <a:latin typeface="Arial"/>
-              </a:rPr>
-              <a:t>Sixth Outline Level</a:t>
-            </a:r>
-            <a:endParaRPr b="0" lang="en-US" sz="1800" spc="-1" strike="noStrike">
-              <a:latin typeface="Arial"/>
-            </a:endParaRPr>
-          </a:p>
-          <a:p>
-            <a:pPr lvl="6" marL="3024000" indent="-216000">
-              <a:spcBef>
-                <a:spcPts val="283"/>
-              </a:spcBef>
-              <a:buClr>
-                <a:srgbClr val="000000"/>
-              </a:buClr>
-              <a:buSzPct val="45000"/>
-              <a:buFont typeface="Wingdings" charset="2"/>
-              <a:buChar char=""/>
-            </a:pPr>
-            <a:r>
-              <a:rPr b="0" lang="en-US" sz="1800" spc="-1" strike="noStrike">
-                <a:latin typeface="Arial"/>
-              </a:rPr>
-              <a:t>Seventh Outline Level</a:t>
-            </a:r>
-            <a:endParaRPr b="0" lang="en-US" sz="1800" spc="-1" strike="noStrike">
-              <a:latin typeface="Arial"/>
-            </a:endParaRPr>
-          </a:p>
-        </p:txBody>
-      </p:sp>
-      <p:sp>
-        <p:nvSpPr>
-          <p:cNvPr id="10" name="PlaceHolder 3"/>
-          <p:cNvSpPr>
-            <a:spLocks noGrp="1"/>
-          </p:cNvSpPr>
-          <p:nvPr>
             <p:ph type="sldNum" idx="1"/>
           </p:nvPr>
         </p:nvSpPr>
         <p:spPr>
           <a:xfrm>
             <a:off x="8472600" y="4663080"/>
-            <a:ext cx="547560" cy="392400"/>
+            <a:ext cx="547200" cy="392040"/>
           </a:xfrm>
           <a:prstGeom prst="rect">
             <a:avLst/>
@@ -4129,7 +3906,7 @@
                 <a:tab algn="l" pos="0"/>
               </a:tabLst>
             </a:pPr>
-            <a:fld id="{701F12EF-8597-40A6-8AC7-862522BB1ED9}" type="slidenum">
+            <a:fld id="{838E5B4E-36DD-4176-B987-D0ED2720154F}" type="slidenum">
               <a:rPr b="0" lang="en" sz="1000" spc="-1" strike="noStrike">
                 <a:solidFill>
                   <a:srgbClr val="695d46"/>
@@ -4141,6 +3918,232 @@
             </a:fld>
             <a:endParaRPr b="0" lang="en-US" sz="1000" spc="-1" strike="noStrike">
               <a:latin typeface="Times New Roman"/>
+            </a:endParaRPr>
+          </a:p>
+        </p:txBody>
+      </p:sp>
+      <p:sp>
+        <p:nvSpPr>
+          <p:cNvPr id="9" name="PlaceHolder 2"/>
+          <p:cNvSpPr>
+            <a:spLocks noGrp="1"/>
+          </p:cNvSpPr>
+          <p:nvPr>
+            <p:ph type="title"/>
+          </p:nvPr>
+        </p:nvSpPr>
+        <p:spPr>
+          <a:xfrm>
+            <a:off x="457200" y="205200"/>
+            <a:ext cx="8229240" cy="858600"/>
+          </a:xfrm>
+          <a:prstGeom prst="rect">
+            <a:avLst/>
+          </a:prstGeom>
+          <a:noFill/>
+          <a:ln w="0">
+            <a:noFill/>
+          </a:ln>
+        </p:spPr>
+        <p:txBody>
+          <a:bodyPr lIns="0" rIns="0" tIns="0" bIns="0" anchor="ctr">
+            <a:noAutofit/>
+          </a:bodyPr>
+          <a:p>
+            <a:pPr algn="ctr">
+              <a:buNone/>
+            </a:pPr>
+            <a:r>
+              <a:rPr b="0" lang="en-US" sz="4400" spc="-1" strike="noStrike">
+                <a:latin typeface="Arial"/>
+              </a:rPr>
+              <a:t>Click to edit the title text format</a:t>
+            </a:r>
+            <a:endParaRPr b="0" lang="en-US" sz="4400" spc="-1" strike="noStrike">
+              <a:latin typeface="Arial"/>
+            </a:endParaRPr>
+          </a:p>
+        </p:txBody>
+      </p:sp>
+      <p:sp>
+        <p:nvSpPr>
+          <p:cNvPr id="10" name="PlaceHolder 3"/>
+          <p:cNvSpPr>
+            <a:spLocks noGrp="1"/>
+          </p:cNvSpPr>
+          <p:nvPr>
+            <p:ph type="body"/>
+          </p:nvPr>
+        </p:nvSpPr>
+        <p:spPr>
+          <a:xfrm>
+            <a:off x="457200" y="1203480"/>
+            <a:ext cx="8229240" cy="2982960"/>
+          </a:xfrm>
+          <a:prstGeom prst="rect">
+            <a:avLst/>
+          </a:prstGeom>
+          <a:noFill/>
+          <a:ln w="0">
+            <a:noFill/>
+          </a:ln>
+        </p:spPr>
+        <p:txBody>
+          <a:bodyPr lIns="0" rIns="0" tIns="0" bIns="0" anchor="t">
+            <a:normAutofit/>
+          </a:bodyPr>
+          <a:p>
+            <a:pPr marL="432000" indent="-324000">
+              <a:spcBef>
+                <a:spcPts val="1417"/>
+              </a:spcBef>
+              <a:buClr>
+                <a:srgbClr val="000000"/>
+              </a:buClr>
+              <a:buSzPct val="45000"/>
+              <a:buFont typeface="Wingdings" charset="2"/>
+              <a:buChar char=""/>
+            </a:pPr>
+            <a:r>
+              <a:rPr b="0" lang="en-US" sz="3200" spc="-1" strike="noStrike">
+                <a:latin typeface="Arial"/>
+              </a:rPr>
+              <a:t>Click to edit the outline text format</a:t>
+            </a:r>
+            <a:endParaRPr b="0" lang="en-US" sz="3200" spc="-1" strike="noStrike">
+              <a:latin typeface="Arial"/>
+            </a:endParaRPr>
+          </a:p>
+          <a:p>
+            <a:pPr lvl="1" marL="864000" indent="-324000">
+              <a:spcBef>
+                <a:spcPts val="1134"/>
+              </a:spcBef>
+              <a:buClr>
+                <a:srgbClr val="000000"/>
+              </a:buClr>
+              <a:buSzPct val="75000"/>
+              <a:buFont typeface="Symbol" charset="2"/>
+              <a:buChar char=""/>
+            </a:pPr>
+            <a:r>
+              <a:rPr b="0" lang="en-US" sz="2800" spc="-1" strike="noStrike">
+                <a:latin typeface="Arial"/>
+              </a:rPr>
+              <a:t>Second Outline Level</a:t>
+            </a:r>
+            <a:endParaRPr b="0" lang="en-US" sz="2800" spc="-1" strike="noStrike">
+              <a:latin typeface="Arial"/>
+            </a:endParaRPr>
+          </a:p>
+          <a:p>
+            <a:pPr lvl="2" marL="1296000" indent="-288000">
+              <a:spcBef>
+                <a:spcPts val="850"/>
+              </a:spcBef>
+              <a:buClr>
+                <a:srgbClr val="000000"/>
+              </a:buClr>
+              <a:buSzPct val="45000"/>
+              <a:buFont typeface="Wingdings" charset="2"/>
+              <a:buChar char=""/>
+            </a:pPr>
+            <a:r>
+              <a:rPr b="0" lang="en-US" sz="2400" spc="-1" strike="noStrike">
+                <a:latin typeface="Arial"/>
+              </a:rPr>
+              <a:t>Third Outline Level</a:t>
+            </a:r>
+            <a:endParaRPr b="0" lang="en-US" sz="2400" spc="-1" strike="noStrike">
+              <a:latin typeface="Arial"/>
+            </a:endParaRPr>
+          </a:p>
+          <a:p>
+            <a:pPr lvl="3" marL="1728000" indent="-216000">
+              <a:spcBef>
+                <a:spcPts val="567"/>
+              </a:spcBef>
+              <a:buClr>
+                <a:srgbClr val="000000"/>
+              </a:buClr>
+              <a:buSzPct val="75000"/>
+              <a:buFont typeface="Symbol" charset="2"/>
+              <a:buChar char=""/>
+            </a:pPr>
+            <a:r>
+              <a:rPr b="0" lang="en-US" sz="2000" spc="-1" strike="noStrike">
+                <a:latin typeface="Arial"/>
+              </a:rPr>
+              <a:t>Fourth Outline Level</a:t>
+            </a:r>
+            <a:endParaRPr b="0" lang="en-US" sz="2000" spc="-1" strike="noStrike">
+              <a:latin typeface="Arial"/>
+            </a:endParaRPr>
+          </a:p>
+          <a:p>
+            <a:pPr lvl="4" marL="2160000" indent="-216000">
+              <a:spcBef>
+                <a:spcPts val="283"/>
+              </a:spcBef>
+              <a:buClr>
+                <a:srgbClr val="000000"/>
+              </a:buClr>
+              <a:buSzPct val="45000"/>
+              <a:buFont typeface="Wingdings" charset="2"/>
+              <a:buChar char=""/>
+            </a:pPr>
+            <a:r>
+              <a:rPr b="0" lang="en-US" sz="2000" spc="-1" strike="noStrike">
+                <a:latin typeface="Arial"/>
+              </a:rPr>
+              <a:t>Fifth Outline Level</a:t>
+            </a:r>
+            <a:endParaRPr b="0" lang="en-US" sz="2000" spc="-1" strike="noStrike">
+              <a:latin typeface="Arial"/>
+            </a:endParaRPr>
+          </a:p>
+          <a:p>
+            <a:pPr lvl="5" marL="2592000" indent="-216000">
+              <a:spcBef>
+                <a:spcPts val="283"/>
+              </a:spcBef>
+              <a:buClr>
+                <a:srgbClr val="000000"/>
+              </a:buClr>
+              <a:buSzPct val="45000"/>
+              <a:buFont typeface="Wingdings" charset="2"/>
+              <a:buChar char=""/>
+            </a:pPr>
+            <a:r>
+              <a:rPr b="0" lang="en-US" sz="2000" spc="-1" strike="noStrike">
+                <a:latin typeface="Arial"/>
+              </a:rPr>
+              <a:t>Sixth Outline Level</a:t>
+            </a:r>
+            <a:endParaRPr b="0" lang="en-US" sz="2000" spc="-1" strike="noStrike">
+              <a:latin typeface="Arial"/>
+            </a:endParaRPr>
+          </a:p>
+          <a:p>
+            <a:pPr lvl="6" marL="3024000" indent="-216000">
+              <a:spcBef>
+                <a:spcPts val="283"/>
+              </a:spcBef>
+              <a:buClr>
+                <a:srgbClr val="000000"/>
+              </a:buClr>
+              <a:buSzPct val="45000"/>
+              <a:buFont typeface="Wingdings" charset="2"/>
+              <a:buChar char=""/>
+            </a:pPr>
+            <a:r>
+              <a:rPr b="0" lang="en-US" sz="2000" spc="-1" strike="noStrike">
+                <a:latin typeface="Arial"/>
+              </a:rPr>
+              <a:t>Seventh Outline Level</a:t>
+            </a:r>
+            <a:endParaRPr b="0" lang="en-US" sz="2000" spc="-1" strike="noStrike">
+              <a:latin typeface="Arial"/>
             </a:endParaRPr>
           </a:p>
         </p:txBody>
@@ -4198,7 +4201,7 @@
         <p:spPr>
           <a:xfrm>
             <a:off x="0" y="5045760"/>
-            <a:ext cx="9142920" cy="96840"/>
+            <a:ext cx="9142560" cy="96480"/>
           </a:xfrm>
           <a:prstGeom prst="rect">
             <a:avLst/>
@@ -4230,7 +4233,7 @@
         <p:spPr>
           <a:xfrm>
             <a:off x="8472600" y="4663080"/>
-            <a:ext cx="547560" cy="392400"/>
+            <a:ext cx="547200" cy="392040"/>
           </a:xfrm>
           <a:prstGeom prst="rect">
             <a:avLst/>
@@ -4272,7 +4275,7 @@
                 <a:tab algn="l" pos="0"/>
               </a:tabLst>
             </a:pPr>
-            <a:fld id="{97E41DA1-2BE4-4599-9061-11D5BB1F0A76}" type="slidenum">
+            <a:fld id="{AD12FD5F-F05D-4A55-AB84-97F709165C79}" type="slidenum">
               <a:rPr b="0" lang="en" sz="1000" spc="-1" strike="noStrike">
                 <a:solidFill>
                   <a:srgbClr val="695d46"/>
@@ -4572,7 +4575,7 @@
         <p:spPr>
           <a:xfrm>
             <a:off x="1004040" y="1410840"/>
-            <a:ext cx="7135560" cy="1362600"/>
+            <a:ext cx="7135200" cy="1362240"/>
           </a:xfrm>
           <a:prstGeom prst="rect">
             <a:avLst/>
@@ -4653,7 +4656,7 @@
         <p:spPr>
           <a:xfrm>
             <a:off x="2137320" y="2850120"/>
-            <a:ext cx="4869360" cy="791640"/>
+            <a:ext cx="4869000" cy="791280"/>
           </a:xfrm>
           <a:prstGeom prst="rect">
             <a:avLst/>
@@ -4736,7 +4739,7 @@
         <p:spPr>
           <a:xfrm>
             <a:off x="311760" y="444960"/>
-            <a:ext cx="8519400" cy="706320"/>
+            <a:ext cx="8519040" cy="705960"/>
           </a:xfrm>
           <a:prstGeom prst="rect">
             <a:avLst/>
@@ -4789,7 +4792,7 @@
         <p:spPr>
           <a:xfrm>
             <a:off x="311760" y="1266480"/>
-            <a:ext cx="8519400" cy="3301560"/>
+            <a:ext cx="8519040" cy="3301200"/>
           </a:xfrm>
           <a:prstGeom prst="rect">
             <a:avLst/>
@@ -4983,7 +4986,7 @@
         <p:spPr>
           <a:xfrm>
             <a:off x="311760" y="444960"/>
-            <a:ext cx="8519400" cy="706320"/>
+            <a:ext cx="8519040" cy="705960"/>
           </a:xfrm>
           <a:prstGeom prst="rect">
             <a:avLst/>
@@ -5036,7 +5039,7 @@
         <p:spPr>
           <a:xfrm>
             <a:off x="311760" y="1266480"/>
-            <a:ext cx="8519400" cy="3301560"/>
+            <a:ext cx="8519040" cy="3301200"/>
           </a:xfrm>
           <a:prstGeom prst="rect">
             <a:avLst/>
@@ -5159,7 +5162,7 @@
         <p:spPr>
           <a:xfrm>
             <a:off x="228600" y="0"/>
-            <a:ext cx="8519400" cy="706320"/>
+            <a:ext cx="8519040" cy="705960"/>
           </a:xfrm>
           <a:prstGeom prst="rect">
             <a:avLst/>
@@ -5211,8 +5214,8 @@
         </p:nvSpPr>
         <p:spPr>
           <a:xfrm rot="21589800">
-            <a:off x="6120" y="443880"/>
-            <a:ext cx="8907840" cy="4584960"/>
+            <a:off x="5760" y="443880"/>
+            <a:ext cx="8907480" cy="4584600"/>
           </a:xfrm>
           <a:prstGeom prst="rect">
             <a:avLst/>
@@ -5977,8 +5980,8 @@
         </p:blipFill>
         <p:spPr>
           <a:xfrm>
-            <a:off x="-456840" y="685800"/>
-            <a:ext cx="9143640" cy="3287520"/>
+            <a:off x="-747000" y="685800"/>
+            <a:ext cx="10805400" cy="3886200"/>
           </a:xfrm>
           <a:prstGeom prst="rect">
             <a:avLst/>
